--- a/resources/hw/genomic-data-visualization-HW_6.pptx
+++ b/resources/hw/genomic-data-visualization-HW_6.pptx
@@ -261,7 +261,7 @@
           <a:p>
             <a:fld id="{EA7AF97D-2E4D-EC45-A828-2A00154AE3A4}" type="datetimeFigureOut">
               <a:rPr lang="en-US" smtClean="0"/>
-              <a:t>2/13/24</a:t>
+              <a:t>2/18/24</a:t>
             </a:fld>
             <a:endParaRPr lang="en-US"/>
           </a:p>
@@ -459,7 +459,7 @@
           <a:p>
             <a:fld id="{EA7AF97D-2E4D-EC45-A828-2A00154AE3A4}" type="datetimeFigureOut">
               <a:rPr lang="en-US" smtClean="0"/>
-              <a:t>2/13/24</a:t>
+              <a:t>2/18/24</a:t>
             </a:fld>
             <a:endParaRPr lang="en-US"/>
           </a:p>
@@ -667,7 +667,7 @@
           <a:p>
             <a:fld id="{EA7AF97D-2E4D-EC45-A828-2A00154AE3A4}" type="datetimeFigureOut">
               <a:rPr lang="en-US" smtClean="0"/>
-              <a:t>2/13/24</a:t>
+              <a:t>2/18/24</a:t>
             </a:fld>
             <a:endParaRPr lang="en-US"/>
           </a:p>
@@ -865,7 +865,7 @@
           <a:p>
             <a:fld id="{EA7AF97D-2E4D-EC45-A828-2A00154AE3A4}" type="datetimeFigureOut">
               <a:rPr lang="en-US" smtClean="0"/>
-              <a:t>2/13/24</a:t>
+              <a:t>2/18/24</a:t>
             </a:fld>
             <a:endParaRPr lang="en-US"/>
           </a:p>
@@ -1140,7 +1140,7 @@
           <a:p>
             <a:fld id="{EA7AF97D-2E4D-EC45-A828-2A00154AE3A4}" type="datetimeFigureOut">
               <a:rPr lang="en-US" smtClean="0"/>
-              <a:t>2/13/24</a:t>
+              <a:t>2/18/24</a:t>
             </a:fld>
             <a:endParaRPr lang="en-US"/>
           </a:p>
@@ -1405,7 +1405,7 @@
           <a:p>
             <a:fld id="{EA7AF97D-2E4D-EC45-A828-2A00154AE3A4}" type="datetimeFigureOut">
               <a:rPr lang="en-US" smtClean="0"/>
-              <a:t>2/13/24</a:t>
+              <a:t>2/18/24</a:t>
             </a:fld>
             <a:endParaRPr lang="en-US"/>
           </a:p>
@@ -1817,7 +1817,7 @@
           <a:p>
             <a:fld id="{EA7AF97D-2E4D-EC45-A828-2A00154AE3A4}" type="datetimeFigureOut">
               <a:rPr lang="en-US" smtClean="0"/>
-              <a:t>2/13/24</a:t>
+              <a:t>2/18/24</a:t>
             </a:fld>
             <a:endParaRPr lang="en-US"/>
           </a:p>
@@ -1958,7 +1958,7 @@
           <a:p>
             <a:fld id="{EA7AF97D-2E4D-EC45-A828-2A00154AE3A4}" type="datetimeFigureOut">
               <a:rPr lang="en-US" smtClean="0"/>
-              <a:t>2/13/24</a:t>
+              <a:t>2/18/24</a:t>
             </a:fld>
             <a:endParaRPr lang="en-US"/>
           </a:p>
@@ -2071,7 +2071,7 @@
           <a:p>
             <a:fld id="{EA7AF97D-2E4D-EC45-A828-2A00154AE3A4}" type="datetimeFigureOut">
               <a:rPr lang="en-US" smtClean="0"/>
-              <a:t>2/13/24</a:t>
+              <a:t>2/18/24</a:t>
             </a:fld>
             <a:endParaRPr lang="en-US"/>
           </a:p>
@@ -2382,7 +2382,7 @@
           <a:p>
             <a:fld id="{EA7AF97D-2E4D-EC45-A828-2A00154AE3A4}" type="datetimeFigureOut">
               <a:rPr lang="en-US" smtClean="0"/>
-              <a:t>2/13/24</a:t>
+              <a:t>2/18/24</a:t>
             </a:fld>
             <a:endParaRPr lang="en-US"/>
           </a:p>
@@ -2670,7 +2670,7 @@
           <a:p>
             <a:fld id="{EA7AF97D-2E4D-EC45-A828-2A00154AE3A4}" type="datetimeFigureOut">
               <a:rPr lang="en-US" smtClean="0"/>
-              <a:t>2/13/24</a:t>
+              <a:t>2/18/24</a:t>
             </a:fld>
             <a:endParaRPr lang="en-US"/>
           </a:p>
@@ -2911,7 +2911,7 @@
           <a:p>
             <a:fld id="{EA7AF97D-2E4D-EC45-A828-2A00154AE3A4}" type="datetimeFigureOut">
               <a:rPr lang="en-US" smtClean="0"/>
-              <a:t>2/13/24</a:t>
+              <a:t>2/18/24</a:t>
             </a:fld>
             <a:endParaRPr lang="en-US"/>
           </a:p>
@@ -3444,7 +3444,7 @@
           <a:p>
             <a:r>
               <a:rPr lang="en-US" sz="3200" dirty="0"/>
-              <a:t>Create a multi-panel data visualization to interpret a cell cluster in the CODEX data</a:t>
+              <a:t>Create a multi-panel data visualization to interpret the tissue structure that is represented in the CODEX data</a:t>
             </a:r>
           </a:p>
         </p:txBody>
@@ -3503,7 +3503,7 @@
                   <a:srgbClr val="404040"/>
                 </a:solidFill>
               </a:rPr>
-              <a:t> clustering, differential expression analysis) on your data. Pick ONE cluster and try to figure out what cell-type(s) it corresponds to. Create a data visualization and write a description to convince me that your interpretation is correct.</a:t>
+              <a:t> clustering, differential expression analysis) on your data. Your goal is to figure out what tissue structure is represented in the CODEX data. Options include: (1) Artery/Vein, (2) White pulp, (3) Red pulp, (4) Capsule/Trabecula</a:t>
             </a:r>
           </a:p>
           <a:p>
@@ -3538,7 +3538,7 @@
                   <a:srgbClr val="404040"/>
                 </a:solidFill>
               </a:rPr>
-              <a:t>You are welcome to reuse code from HW4/HW5 or even use code from other students. However, you must provide attribution (credit) if you do so. </a:t>
+              <a:t>You will need to visualize and interpret at least two cell-types. Create a data visualization and write a description to convince me that your interpretation is correct. </a:t>
             </a:r>
           </a:p>
           <a:p>
@@ -3573,7 +3573,42 @@
                   <a:srgbClr val="404040"/>
                 </a:solidFill>
               </a:rPr>
-              <a:t>Your description should reference papers and content that allowed you to interpret your cell cluster as a particular cell-type(s). You must provide attribution to external resources referenced. Links are fine; formatted references are not required. </a:t>
+              <a:t>You are welcome to reuse code from HW4/HW5 or even use code from other students. However, you must provide attribution (credit) if you do so. </a:t>
+            </a:r>
+          </a:p>
+          <a:p>
+            <a:pPr marL="0" indent="0">
+              <a:lnSpc>
+                <a:spcPct val="100000"/>
+              </a:lnSpc>
+              <a:spcBef>
+                <a:spcPts val="0"/>
+              </a:spcBef>
+              <a:buNone/>
+            </a:pPr>
+            <a:endParaRPr lang="en-US" sz="1800" dirty="0">
+              <a:solidFill>
+                <a:srgbClr val="404040"/>
+              </a:solidFill>
+            </a:endParaRPr>
+          </a:p>
+          <a:p>
+            <a:pPr marL="0" indent="0">
+              <a:lnSpc>
+                <a:spcPct val="100000"/>
+              </a:lnSpc>
+              <a:spcBef>
+                <a:spcPts val="0"/>
+              </a:spcBef>
+              <a:buNone/>
+            </a:pPr>
+            <a:r>
+              <a:rPr lang="en-US" sz="1800" dirty="0">
+                <a:solidFill>
+                  <a:srgbClr val="404040"/>
+                </a:solidFill>
+              </a:rPr>
+              <a:t>Your description should reference papers and content that allowed you to interpret your cell clusters as a particular cell-types. You must provide attribution to external resources referenced. Links are fine; formatted references are not required. </a:t>
             </a:r>
           </a:p>
           <a:p>
